--- a/vector-imgs/Cards.pptx
+++ b/vector-imgs/Cards.pptx
@@ -3649,7 +3649,7 @@
           <p:nvPr/>
         </p:nvSpPr>
         <p:spPr>
-          <a:xfrm rot="5685821">
+          <a:xfrm>
             <a:off x="65880" y="136816"/>
             <a:ext cx="5268913" cy="5127043"/>
           </a:xfrm>
@@ -4231,9 +4231,19 @@
               </a:path>
             </a:pathLst>
           </a:custGeom>
-          <a:solidFill>
-            <a:srgbClr val="276983"/>
-          </a:solidFill>
+          <a:blipFill dpi="0" rotWithShape="1">
+            <a:blip r:embed="rId2">
+              <a:extLst>
+                <a:ext uri="{28A0092B-C50C-407E-A947-70E740481C1C}">
+                  <a14:useLocalDpi xmlns:a14="http://schemas.microsoft.com/office/drawing/2010/main" val="0"/>
+                </a:ext>
+              </a:extLst>
+            </a:blip>
+            <a:srcRect/>
+            <a:stretch>
+              <a:fillRect l="-22001" r="-19618"/>
+            </a:stretch>
+          </a:blipFill>
           <a:ln>
             <a:noFill/>
           </a:ln>
